--- a/Lecture/2501Lesson03.pptx
+++ b/Lecture/2501Lesson03.pptx
@@ -213,7 +213,7 @@
           <a:p>
             <a:fld id="{8A944D03-84CA-47A5-BA56-7A83BAF17CB0}" type="datetimeFigureOut">
               <a:rPr lang="en-CA" smtClean="0"/>
-              <a:t>2022-04-27</a:t>
+              <a:t>2022-06-22</a:t>
             </a:fld>
             <a:endParaRPr lang="en-CA"/>
           </a:p>
@@ -630,7 +630,7 @@
           <a:p>
             <a:fld id="{CC47C05E-69E1-448A-85DD-7DEF6FE48594}" type="datetime1">
               <a:rPr lang="en-US" smtClean="0"/>
-              <a:t>4/27/2022</a:t>
+              <a:t>6/22/2022</a:t>
             </a:fld>
             <a:endParaRPr lang="en-US" dirty="0"/>
           </a:p>
@@ -835,7 +835,7 @@
           <a:p>
             <a:fld id="{7B1DB074-D50A-4485-B0CA-37AFE82D1DA3}" type="datetime1">
               <a:rPr lang="en-US" smtClean="0"/>
-              <a:t>4/27/2022</a:t>
+              <a:t>6/22/2022</a:t>
             </a:fld>
             <a:endParaRPr lang="en-US" dirty="0"/>
           </a:p>
@@ -1049,7 +1049,7 @@
           <a:p>
             <a:fld id="{0C93F1F4-659D-4FDD-9FFD-1398407BA9F0}" type="datetime1">
               <a:rPr lang="en-US" smtClean="0"/>
-              <a:t>4/27/2022</a:t>
+              <a:t>6/22/2022</a:t>
             </a:fld>
             <a:endParaRPr lang="en-US" dirty="0"/>
           </a:p>
@@ -1253,7 +1253,7 @@
           <a:p>
             <a:fld id="{60E243E7-782B-4FD1-A019-6A5FC7338443}" type="datetime1">
               <a:rPr lang="en-US" smtClean="0"/>
-              <a:t>4/27/2022</a:t>
+              <a:t>6/22/2022</a:t>
             </a:fld>
             <a:endParaRPr lang="en-US" dirty="0"/>
           </a:p>
@@ -1534,7 +1534,7 @@
           <a:p>
             <a:fld id="{B62507B7-352C-468B-BE14-B7C51E860599}" type="datetime1">
               <a:rPr lang="en-US" smtClean="0"/>
-              <a:t>4/27/2022</a:t>
+              <a:t>6/22/2022</a:t>
             </a:fld>
             <a:endParaRPr lang="en-US" dirty="0"/>
           </a:p>
@@ -1807,7 +1807,7 @@
           <a:p>
             <a:fld id="{DD4868DA-E95A-47A3-82B1-05E993E80CD9}" type="datetime1">
               <a:rPr lang="en-US" smtClean="0"/>
-              <a:t>4/27/2022</a:t>
+              <a:t>6/22/2022</a:t>
             </a:fld>
             <a:endParaRPr lang="en-US" dirty="0"/>
           </a:p>
@@ -2226,7 +2226,7 @@
           <a:p>
             <a:fld id="{BB1023D3-9A8F-4610-A417-46F2DC145557}" type="datetime1">
               <a:rPr lang="en-US" smtClean="0"/>
-              <a:t>4/27/2022</a:t>
+              <a:t>6/22/2022</a:t>
             </a:fld>
             <a:endParaRPr lang="en-US" dirty="0"/>
           </a:p>
@@ -2373,7 +2373,7 @@
           <a:p>
             <a:fld id="{20CDFC98-B09D-4E8D-A292-D4482DDBE4DB}" type="datetime1">
               <a:rPr lang="en-US" smtClean="0"/>
-              <a:t>4/27/2022</a:t>
+              <a:t>6/22/2022</a:t>
             </a:fld>
             <a:endParaRPr lang="en-US" dirty="0"/>
           </a:p>
@@ -2490,7 +2490,7 @@
           <a:p>
             <a:fld id="{786421C9-2137-49B9-B230-A79B28396602}" type="datetime1">
               <a:rPr lang="en-US" smtClean="0"/>
-              <a:t>4/27/2022</a:t>
+              <a:t>6/22/2022</a:t>
             </a:fld>
             <a:endParaRPr lang="en-US" dirty="0"/>
           </a:p>
@@ -2807,7 +2807,7 @@
           <a:p>
             <a:fld id="{B65FD99A-F7A1-4A45-B55A-9985F4A00A28}" type="datetime1">
               <a:rPr lang="en-US" smtClean="0"/>
-              <a:t>4/27/2022</a:t>
+              <a:t>6/22/2022</a:t>
             </a:fld>
             <a:endParaRPr lang="en-US" dirty="0"/>
           </a:p>
@@ -3100,7 +3100,7 @@
           <a:p>
             <a:fld id="{5CE2881D-F885-4A27-ADA5-C7CC3E086ED8}" type="datetime1">
               <a:rPr lang="en-US" smtClean="0"/>
-              <a:t>4/27/2022</a:t>
+              <a:t>6/22/2022</a:t>
             </a:fld>
             <a:endParaRPr lang="en-US" dirty="0"/>
           </a:p>
@@ -3347,7 +3347,7 @@
           <a:p>
             <a:fld id="{FE6B2C2F-FF6B-40EA-A2C8-817615839F01}" type="datetime1">
               <a:rPr lang="en-US" smtClean="0"/>
-              <a:t>4/27/2022</a:t>
+              <a:t>6/22/2022</a:t>
             </a:fld>
             <a:endParaRPr lang="en-US" dirty="0"/>
           </a:p>
@@ -5079,11 +5079,19 @@
             </a:r>
             <a:r>
               <a:rPr lang="en-CA" dirty="0" err="1"/>
-              <a:t>hello”.replace</a:t>
-            </a:r>
-            <a:r>
-              <a:rPr lang="en-CA" dirty="0"/>
-              <a:t>(‘l’, ‘T’) creates </a:t>
+              <a:t>hello”.</a:t>
+            </a:r>
+            <a:r>
+              <a:rPr lang="en-CA" err="1"/>
+              <a:t>replace</a:t>
+            </a:r>
+            <a:r>
+              <a:rPr lang="en-CA"/>
+              <a:t>(“l”, “T”) </a:t>
+            </a:r>
+            <a:r>
+              <a:rPr lang="en-CA" dirty="0"/>
+              <a:t>creates </a:t>
             </a:r>
             <a:r>
               <a:rPr lang="en-CA" dirty="0" err="1"/>
